--- a/lectures/CSE8AW20-01-28-Lec7-Now-Java/CSE8AW20-01-28-Lec7-Now-Java-handout.pptx
+++ b/lectures/CSE8AW20-01-28-Lec7-Now-Java/CSE8AW20-01-28-Lec7-Now-Java-handout.pptx
@@ -3312,7 +3312,7 @@
                 <a:latin typeface="Consolas" panose="020B0609020204030204" pitchFamily="49" charset="0"/>
                 <a:cs typeface="Consolas" panose="020B0609020204030204" pitchFamily="49" charset="0"/>
               </a:rPr>
-              <a:t>    return x * x;</a:t>
+              <a:t>    return n * n;</a:t>
             </a:r>
           </a:p>
           <a:p>
@@ -4291,8 +4291,19 @@
                 <a:latin typeface="Consolas" panose="020B0609020204030204" pitchFamily="49" charset="0"/>
                 <a:cs typeface="Consolas" panose="020B0609020204030204" pitchFamily="49" charset="0"/>
               </a:rPr>
-              <a:t>  return x * x;</a:t>
-            </a:r>
+              <a:t>  </a:t>
+            </a:r>
+            <a:r>
+              <a:rPr lang="en-US" sz="800">
+                <a:latin typeface="Consolas" panose="020B0609020204030204" pitchFamily="49" charset="0"/>
+                <a:cs typeface="Consolas" panose="020B0609020204030204" pitchFamily="49" charset="0"/>
+              </a:rPr>
+              <a:t>return n * n;</a:t>
+            </a:r>
+            <a:endParaRPr lang="en-US" sz="800" dirty="0">
+              <a:latin typeface="Consolas" panose="020B0609020204030204" pitchFamily="49" charset="0"/>
+              <a:cs typeface="Consolas" panose="020B0609020204030204" pitchFamily="49" charset="0"/>
+            </a:endParaRPr>
           </a:p>
           <a:p>
             <a:r>
